--- a/docs/presentacion.pptx
+++ b/docs/presentacion.pptx
@@ -12,11 +12,12 @@
     <p:sldId id="260" r:id="rId6"/>
     <p:sldId id="261" r:id="rId7"/>
     <p:sldId id="262" r:id="rId8"/>
-    <p:sldId id="263" r:id="rId9"/>
-    <p:sldId id="264" r:id="rId10"/>
-    <p:sldId id="265" r:id="rId11"/>
-    <p:sldId id="266" r:id="rId12"/>
-    <p:sldId id="267" r:id="rId13"/>
+    <p:sldId id="268" r:id="rId9"/>
+    <p:sldId id="263" r:id="rId10"/>
+    <p:sldId id="264" r:id="rId11"/>
+    <p:sldId id="265" r:id="rId12"/>
+    <p:sldId id="266" r:id="rId13"/>
+    <p:sldId id="267" r:id="rId14"/>
   </p:sldIdLst>
   <p:sldSz cx="12192000" cy="6858000"/>
   <p:notesSz cx="6858000" cy="9144000"/>
@@ -115,6 +116,11 @@
       </a:defRPr>
     </a:lvl9pPr>
   </p:defaultTextStyle>
+  <p:extLst>
+    <p:ext uri="{EFAFB233-063F-42B5-8137-9DF3F51BA10A}">
+      <p15:sldGuideLst xmlns:p15="http://schemas.microsoft.com/office/powerpoint/2012/main"/>
+    </p:ext>
+  </p:extLst>
 </p:presentation>
 </file>
 
@@ -8046,6 +8052,481 @@
           <p:cNvPr id="3" name="CuadroTexto 2">
             <a:extLst>
               <a:ext uri="{FF2B5EF4-FFF2-40B4-BE49-F238E27FC236}">
+                <a16:creationId xmlns:a16="http://schemas.microsoft.com/office/drawing/2014/main" id="{52C055A4-1D27-4332-429E-746F71D1B759}"/>
+              </a:ext>
+            </a:extLst>
+          </p:cNvPr>
+          <p:cNvSpPr txBox="1"/>
+          <p:nvPr/>
+        </p:nvSpPr>
+        <p:spPr>
+          <a:xfrm>
+            <a:off x="7394332" y="2301736"/>
+            <a:ext cx="3323492" cy="2842381"/>
+          </a:xfrm>
+          <a:prstGeom prst="rect">
+            <a:avLst/>
+          </a:prstGeom>
+          <a:noFill/>
+        </p:spPr>
+        <p:txBody>
+          <a:bodyPr wrap="square">
+            <a:spAutoFit/>
+          </a:bodyPr>
+          <a:lstStyle/>
+          <a:p>
+            <a:pPr marL="457200" algn="just">
+              <a:lnSpc>
+                <a:spcPct val="107000"/>
+              </a:lnSpc>
+              <a:spcAft>
+                <a:spcPts val="800"/>
+              </a:spcAft>
+              <a:buNone/>
+            </a:pPr>
+            <a:endParaRPr lang="es-ES" sz="1800" kern="100" dirty="0">
+              <a:effectLst/>
+              <a:latin typeface="Calibri" panose="020F0502020204030204" pitchFamily="34" charset="0"/>
+              <a:ea typeface="Calibri" panose="020F0502020204030204" pitchFamily="34" charset="0"/>
+              <a:cs typeface="Times New Roman" panose="02020603050405020304" pitchFamily="18" charset="0"/>
+            </a:endParaRPr>
+          </a:p>
+          <a:p>
+            <a:pPr marL="342900" lvl="0" indent="-342900" algn="just">
+              <a:lnSpc>
+                <a:spcPct val="107000"/>
+              </a:lnSpc>
+              <a:buFont typeface="Wingdings" panose="05000000000000000000" pitchFamily="2" charset="2"/>
+              <a:buChar char=""/>
+            </a:pPr>
+            <a:r>
+              <a:rPr lang="es-ES" sz="2400" kern="100" dirty="0">
+                <a:effectLst/>
+                <a:latin typeface="Cambria" panose="02040503050406030204" pitchFamily="18" charset="0"/>
+                <a:ea typeface="Calibri" panose="020F0502020204030204" pitchFamily="34" charset="0"/>
+                <a:cs typeface="Times New Roman" panose="02020603050405020304" pitchFamily="18" charset="0"/>
+              </a:rPr>
+              <a:t>Ordenador</a:t>
+            </a:r>
+            <a:endParaRPr lang="es-ES" sz="2400" kern="100" dirty="0">
+              <a:latin typeface="Cambria" panose="02040503050406030204" pitchFamily="18" charset="0"/>
+              <a:ea typeface="Calibri" panose="020F0502020204030204" pitchFamily="34" charset="0"/>
+              <a:cs typeface="Times New Roman" panose="02020603050405020304" pitchFamily="18" charset="0"/>
+            </a:endParaRPr>
+          </a:p>
+          <a:p>
+            <a:pPr marL="342900" lvl="0" indent="-342900" algn="just">
+              <a:lnSpc>
+                <a:spcPct val="107000"/>
+              </a:lnSpc>
+              <a:buFont typeface="Wingdings" panose="05000000000000000000" pitchFamily="2" charset="2"/>
+              <a:buChar char=""/>
+            </a:pPr>
+            <a:r>
+              <a:rPr lang="es-ES" sz="2400" kern="100" dirty="0">
+                <a:effectLst/>
+                <a:latin typeface="Cambria" panose="02040503050406030204" pitchFamily="18" charset="0"/>
+                <a:ea typeface="Calibri" panose="020F0502020204030204" pitchFamily="34" charset="0"/>
+                <a:cs typeface="Times New Roman" panose="02020603050405020304" pitchFamily="18" charset="0"/>
+              </a:rPr>
+              <a:t>Project</a:t>
+            </a:r>
+          </a:p>
+          <a:p>
+            <a:pPr marL="342900" lvl="0" indent="-342900" algn="just">
+              <a:lnSpc>
+                <a:spcPct val="107000"/>
+              </a:lnSpc>
+              <a:buFont typeface="Wingdings" panose="05000000000000000000" pitchFamily="2" charset="2"/>
+              <a:buChar char=""/>
+            </a:pPr>
+            <a:r>
+              <a:rPr lang="es-ES" sz="2400" kern="100" dirty="0">
+                <a:effectLst/>
+                <a:latin typeface="Cambria" panose="02040503050406030204" pitchFamily="18" charset="0"/>
+                <a:ea typeface="Calibri" panose="020F0502020204030204" pitchFamily="34" charset="0"/>
+                <a:cs typeface="Times New Roman" panose="02020603050405020304" pitchFamily="18" charset="0"/>
+              </a:rPr>
+              <a:t>Visual Studio Code</a:t>
+            </a:r>
+            <a:endParaRPr lang="es-ES" sz="2400" kern="100" dirty="0">
+              <a:effectLst/>
+              <a:latin typeface="Calibri" panose="020F0502020204030204" pitchFamily="34" charset="0"/>
+              <a:ea typeface="Calibri" panose="020F0502020204030204" pitchFamily="34" charset="0"/>
+              <a:cs typeface="Times New Roman" panose="02020603050405020304" pitchFamily="18" charset="0"/>
+            </a:endParaRPr>
+          </a:p>
+          <a:p>
+            <a:pPr marL="342900" lvl="0" indent="-342900" algn="just">
+              <a:lnSpc>
+                <a:spcPct val="107000"/>
+              </a:lnSpc>
+              <a:buFont typeface="Wingdings" panose="05000000000000000000" pitchFamily="2" charset="2"/>
+              <a:buChar char=""/>
+            </a:pPr>
+            <a:r>
+              <a:rPr lang="es-ES" sz="2400" kern="100" dirty="0">
+                <a:effectLst/>
+                <a:latin typeface="Cambria" panose="02040503050406030204" pitchFamily="18" charset="0"/>
+                <a:ea typeface="Calibri" panose="020F0502020204030204" pitchFamily="34" charset="0"/>
+                <a:cs typeface="Times New Roman" panose="02020603050405020304" pitchFamily="18" charset="0"/>
+              </a:rPr>
+              <a:t>Word</a:t>
+            </a:r>
+          </a:p>
+          <a:p>
+            <a:pPr marL="342900" lvl="0" indent="-342900" algn="just">
+              <a:lnSpc>
+                <a:spcPct val="107000"/>
+              </a:lnSpc>
+              <a:buFont typeface="Wingdings" panose="05000000000000000000" pitchFamily="2" charset="2"/>
+              <a:buChar char=""/>
+            </a:pPr>
+            <a:r>
+              <a:rPr lang="es-ES" sz="2400" kern="100" dirty="0">
+                <a:effectLst/>
+                <a:latin typeface="Cambria" panose="02040503050406030204" pitchFamily="18" charset="0"/>
+                <a:ea typeface="Calibri" panose="020F0502020204030204" pitchFamily="34" charset="0"/>
+                <a:cs typeface="Times New Roman" panose="02020603050405020304" pitchFamily="18" charset="0"/>
+              </a:rPr>
+              <a:t>PowerPoint</a:t>
+            </a:r>
+            <a:endParaRPr lang="es-ES" sz="2400" kern="100" dirty="0">
+              <a:effectLst/>
+              <a:latin typeface="Calibri" panose="020F0502020204030204" pitchFamily="34" charset="0"/>
+              <a:ea typeface="Calibri" panose="020F0502020204030204" pitchFamily="34" charset="0"/>
+              <a:cs typeface="Times New Roman" panose="02020603050405020304" pitchFamily="18" charset="0"/>
+            </a:endParaRPr>
+          </a:p>
+          <a:p>
+            <a:pPr marL="342900" lvl="0" indent="-342900" algn="just">
+              <a:lnSpc>
+                <a:spcPct val="107000"/>
+              </a:lnSpc>
+              <a:spcAft>
+                <a:spcPts val="800"/>
+              </a:spcAft>
+              <a:buFont typeface="Wingdings" panose="05000000000000000000" pitchFamily="2" charset="2"/>
+              <a:buChar char=""/>
+            </a:pPr>
+            <a:r>
+              <a:rPr lang="es-ES" sz="2400" kern="100" dirty="0">
+                <a:effectLst/>
+                <a:latin typeface="Cambria" panose="02040503050406030204" pitchFamily="18" charset="0"/>
+                <a:ea typeface="Calibri" panose="020F0502020204030204" pitchFamily="34" charset="0"/>
+                <a:cs typeface="Times New Roman" panose="02020603050405020304" pitchFamily="18" charset="0"/>
+              </a:rPr>
+              <a:t>Visio</a:t>
+            </a:r>
+            <a:endParaRPr lang="es-ES" sz="2400" kern="100" dirty="0">
+              <a:effectLst/>
+              <a:latin typeface="Calibri" panose="020F0502020204030204" pitchFamily="34" charset="0"/>
+              <a:ea typeface="Calibri" panose="020F0502020204030204" pitchFamily="34" charset="0"/>
+              <a:cs typeface="Times New Roman" panose="02020603050405020304" pitchFamily="18" charset="0"/>
+            </a:endParaRPr>
+          </a:p>
+        </p:txBody>
+      </p:sp>
+      <p:sp>
+        <p:nvSpPr>
+          <p:cNvPr id="4" name="CuadroTexto 3">
+            <a:extLst>
+              <a:ext uri="{FF2B5EF4-FFF2-40B4-BE49-F238E27FC236}">
+                <a16:creationId xmlns:a16="http://schemas.microsoft.com/office/drawing/2014/main" id="{C950CACE-5D5E-8CC1-D554-53FA609AF6E3}"/>
+              </a:ext>
+            </a:extLst>
+          </p:cNvPr>
+          <p:cNvSpPr txBox="1"/>
+          <p:nvPr/>
+        </p:nvSpPr>
+        <p:spPr>
+          <a:xfrm>
+            <a:off x="2710961" y="492370"/>
+            <a:ext cx="6770077" cy="738664"/>
+          </a:xfrm>
+          <a:prstGeom prst="rect">
+            <a:avLst/>
+          </a:prstGeom>
+          <a:noFill/>
+        </p:spPr>
+        <p:txBody>
+          <a:bodyPr wrap="square" rtlCol="0">
+            <a:spAutoFit/>
+          </a:bodyPr>
+          <a:lstStyle/>
+          <a:p>
+            <a:r>
+              <a:rPr lang="es-ES" sz="2400" b="1" i="1" kern="100" dirty="0">
+                <a:effectLst/>
+                <a:latin typeface="Cambria" panose="02040503050406030204" pitchFamily="18" charset="0"/>
+                <a:ea typeface="Calibri" panose="020F0502020204030204" pitchFamily="34" charset="0"/>
+                <a:cs typeface="Times New Roman" panose="02020603050405020304" pitchFamily="18" charset="0"/>
+              </a:rPr>
+              <a:t>TECNOLOGÍAS Y HERRAMIENTAS UTILIZADAS</a:t>
+            </a:r>
+            <a:endParaRPr lang="es-ES" sz="2400" kern="100" dirty="0">
+              <a:effectLst/>
+              <a:latin typeface="Calibri" panose="020F0502020204030204" pitchFamily="34" charset="0"/>
+              <a:ea typeface="Calibri" panose="020F0502020204030204" pitchFamily="34" charset="0"/>
+              <a:cs typeface="Times New Roman" panose="02020603050405020304" pitchFamily="18" charset="0"/>
+            </a:endParaRPr>
+          </a:p>
+          <a:p>
+            <a:endParaRPr lang="es-ES" dirty="0"/>
+          </a:p>
+        </p:txBody>
+      </p:sp>
+      <p:sp>
+        <p:nvSpPr>
+          <p:cNvPr id="5" name="CuadroTexto 4">
+            <a:extLst>
+              <a:ext uri="{FF2B5EF4-FFF2-40B4-BE49-F238E27FC236}">
+                <a16:creationId xmlns:a16="http://schemas.microsoft.com/office/drawing/2014/main" id="{D162675A-49A0-09E7-F783-57BE93E5902C}"/>
+              </a:ext>
+            </a:extLst>
+          </p:cNvPr>
+          <p:cNvSpPr txBox="1"/>
+          <p:nvPr/>
+        </p:nvSpPr>
+        <p:spPr>
+          <a:xfrm>
+            <a:off x="2277209" y="2684618"/>
+            <a:ext cx="2857500" cy="2740366"/>
+          </a:xfrm>
+          <a:prstGeom prst="rect">
+            <a:avLst/>
+          </a:prstGeom>
+          <a:noFill/>
+        </p:spPr>
+        <p:txBody>
+          <a:bodyPr wrap="square" rtlCol="0">
+            <a:spAutoFit/>
+          </a:bodyPr>
+          <a:lstStyle/>
+          <a:p>
+            <a:pPr marL="342900" lvl="0" indent="-342900" algn="just">
+              <a:lnSpc>
+                <a:spcPct val="107000"/>
+              </a:lnSpc>
+              <a:buFont typeface="Wingdings" panose="05000000000000000000" pitchFamily="2" charset="2"/>
+              <a:buChar char=""/>
+            </a:pPr>
+            <a:r>
+              <a:rPr lang="es-ES" sz="2400" kern="100" dirty="0">
+                <a:effectLst/>
+                <a:latin typeface="Cambria" panose="02040503050406030204" pitchFamily="18" charset="0"/>
+                <a:ea typeface="Cambria" panose="02040503050406030204" pitchFamily="18" charset="0"/>
+                <a:cs typeface="Times New Roman" panose="02020603050405020304" pitchFamily="18" charset="0"/>
+              </a:rPr>
+              <a:t>HTML</a:t>
+            </a:r>
+          </a:p>
+          <a:p>
+            <a:pPr marL="342900" lvl="0" indent="-342900" algn="just">
+              <a:lnSpc>
+                <a:spcPct val="107000"/>
+              </a:lnSpc>
+              <a:buFont typeface="Wingdings" panose="05000000000000000000" pitchFamily="2" charset="2"/>
+              <a:buChar char=""/>
+            </a:pPr>
+            <a:r>
+              <a:rPr lang="es-ES" sz="2400" kern="100" dirty="0">
+                <a:effectLst/>
+                <a:latin typeface="Cambria" panose="02040503050406030204" pitchFamily="18" charset="0"/>
+                <a:ea typeface="Cambria" panose="02040503050406030204" pitchFamily="18" charset="0"/>
+                <a:cs typeface="Times New Roman" panose="02020603050405020304" pitchFamily="18" charset="0"/>
+              </a:rPr>
+              <a:t>CSS</a:t>
+            </a:r>
+          </a:p>
+          <a:p>
+            <a:pPr marL="342900" lvl="0" indent="-342900" algn="just">
+              <a:lnSpc>
+                <a:spcPct val="107000"/>
+              </a:lnSpc>
+              <a:buFont typeface="Wingdings" panose="05000000000000000000" pitchFamily="2" charset="2"/>
+              <a:buChar char=""/>
+            </a:pPr>
+            <a:r>
+              <a:rPr lang="es-ES" sz="2400" kern="100" dirty="0">
+                <a:effectLst/>
+                <a:latin typeface="Cambria" panose="02040503050406030204" pitchFamily="18" charset="0"/>
+                <a:ea typeface="Cambria" panose="02040503050406030204" pitchFamily="18" charset="0"/>
+                <a:cs typeface="Times New Roman" panose="02020603050405020304" pitchFamily="18" charset="0"/>
+              </a:rPr>
+              <a:t>JAVASCRIPT </a:t>
+            </a:r>
+          </a:p>
+          <a:p>
+            <a:pPr marL="342900" lvl="0" indent="-342900" algn="just">
+              <a:lnSpc>
+                <a:spcPct val="107000"/>
+              </a:lnSpc>
+              <a:buFont typeface="Wingdings" panose="05000000000000000000" pitchFamily="2" charset="2"/>
+              <a:buChar char=""/>
+            </a:pPr>
+            <a:r>
+              <a:rPr lang="es-ES" sz="2400" kern="100" dirty="0">
+                <a:effectLst/>
+                <a:latin typeface="Cambria" panose="02040503050406030204" pitchFamily="18" charset="0"/>
+                <a:ea typeface="Cambria" panose="02040503050406030204" pitchFamily="18" charset="0"/>
+                <a:cs typeface="Times New Roman" panose="02020603050405020304" pitchFamily="18" charset="0"/>
+              </a:rPr>
+              <a:t>MYSQL</a:t>
+            </a:r>
+          </a:p>
+          <a:p>
+            <a:pPr marL="342900" lvl="0" indent="-342900" algn="just">
+              <a:lnSpc>
+                <a:spcPct val="107000"/>
+              </a:lnSpc>
+              <a:buFont typeface="Wingdings" panose="05000000000000000000" pitchFamily="2" charset="2"/>
+              <a:buChar char=""/>
+            </a:pPr>
+            <a:r>
+              <a:rPr lang="es-ES" sz="2400" kern="100" dirty="0">
+                <a:effectLst/>
+                <a:latin typeface="Cambria" panose="02040503050406030204" pitchFamily="18" charset="0"/>
+                <a:ea typeface="Cambria" panose="02040503050406030204" pitchFamily="18" charset="0"/>
+                <a:cs typeface="Times New Roman" panose="02020603050405020304" pitchFamily="18" charset="0"/>
+              </a:rPr>
+              <a:t>PHP</a:t>
+            </a:r>
+          </a:p>
+          <a:p>
+            <a:pPr marL="342900" lvl="0" indent="-342900" algn="just">
+              <a:lnSpc>
+                <a:spcPct val="107000"/>
+              </a:lnSpc>
+              <a:buFont typeface="Wingdings" panose="05000000000000000000" pitchFamily="2" charset="2"/>
+              <a:buChar char=""/>
+            </a:pPr>
+            <a:r>
+              <a:rPr lang="es-ES" sz="2400" kern="100" dirty="0">
+                <a:effectLst/>
+                <a:latin typeface="Cambria" panose="02040503050406030204" pitchFamily="18" charset="0"/>
+                <a:ea typeface="Cambria" panose="02040503050406030204" pitchFamily="18" charset="0"/>
+                <a:cs typeface="Times New Roman" panose="02020603050405020304" pitchFamily="18" charset="0"/>
+              </a:rPr>
+              <a:t>XAMPP</a:t>
+            </a:r>
+          </a:p>
+          <a:p>
+            <a:endParaRPr lang="es-ES" dirty="0"/>
+          </a:p>
+        </p:txBody>
+      </p:sp>
+      <p:sp>
+        <p:nvSpPr>
+          <p:cNvPr id="6" name="CuadroTexto 5">
+            <a:extLst>
+              <a:ext uri="{FF2B5EF4-FFF2-40B4-BE49-F238E27FC236}">
+                <a16:creationId xmlns:a16="http://schemas.microsoft.com/office/drawing/2014/main" id="{FB161DE8-E962-D034-5666-4C19176D21B0}"/>
+              </a:ext>
+            </a:extLst>
+          </p:cNvPr>
+          <p:cNvSpPr txBox="1"/>
+          <p:nvPr/>
+        </p:nvSpPr>
+        <p:spPr>
+          <a:xfrm>
+            <a:off x="1863970" y="1726993"/>
+            <a:ext cx="2303583" cy="461665"/>
+          </a:xfrm>
+          <a:prstGeom prst="rect">
+            <a:avLst/>
+          </a:prstGeom>
+          <a:noFill/>
+        </p:spPr>
+        <p:txBody>
+          <a:bodyPr wrap="square" rtlCol="0">
+            <a:spAutoFit/>
+          </a:bodyPr>
+          <a:lstStyle/>
+          <a:p>
+            <a:r>
+              <a:rPr lang="es-ES" sz="2400" b="1" dirty="0">
+                <a:latin typeface="Cambria" panose="02040503050406030204" pitchFamily="18" charset="0"/>
+                <a:ea typeface="Cambria" panose="02040503050406030204" pitchFamily="18" charset="0"/>
+              </a:rPr>
+              <a:t>TECNOLOGIAS</a:t>
+            </a:r>
+          </a:p>
+        </p:txBody>
+      </p:sp>
+      <p:sp>
+        <p:nvSpPr>
+          <p:cNvPr id="7" name="CuadroTexto 6">
+            <a:extLst>
+              <a:ext uri="{FF2B5EF4-FFF2-40B4-BE49-F238E27FC236}">
+                <a16:creationId xmlns:a16="http://schemas.microsoft.com/office/drawing/2014/main" id="{26616C85-CC9D-91EC-45CA-90AC71AF64C9}"/>
+              </a:ext>
+            </a:extLst>
+          </p:cNvPr>
+          <p:cNvSpPr txBox="1"/>
+          <p:nvPr/>
+        </p:nvSpPr>
+        <p:spPr>
+          <a:xfrm>
+            <a:off x="7570177" y="1768095"/>
+            <a:ext cx="2611316" cy="461665"/>
+          </a:xfrm>
+          <a:prstGeom prst="rect">
+            <a:avLst/>
+          </a:prstGeom>
+          <a:noFill/>
+        </p:spPr>
+        <p:txBody>
+          <a:bodyPr wrap="square" rtlCol="0">
+            <a:spAutoFit/>
+          </a:bodyPr>
+          <a:lstStyle/>
+          <a:p>
+            <a:r>
+              <a:rPr lang="es-ES" sz="2400" b="1" dirty="0">
+                <a:latin typeface="Cambria" panose="02040503050406030204" pitchFamily="18" charset="0"/>
+                <a:ea typeface="Cambria" panose="02040503050406030204" pitchFamily="18" charset="0"/>
+              </a:rPr>
+              <a:t>HERRAMIENTAS</a:t>
+            </a:r>
+          </a:p>
+        </p:txBody>
+      </p:sp>
+    </p:spTree>
+    <p:extLst>
+      <p:ext uri="{BB962C8B-B14F-4D97-AF65-F5344CB8AC3E}">
+        <p14:creationId xmlns:p14="http://schemas.microsoft.com/office/powerpoint/2010/main" val="3093043113"/>
+      </p:ext>
+    </p:extLst>
+  </p:cSld>
+  <p:clrMapOvr>
+    <a:masterClrMapping/>
+  </p:clrMapOvr>
+</p:sld>
+</file>
+
+<file path=ppt/slides/slide11.xml><?xml version="1.0" encoding="utf-8"?>
+<p:sld xmlns:a="http://schemas.openxmlformats.org/drawingml/2006/main" xmlns:r="http://schemas.openxmlformats.org/officeDocument/2006/relationships" xmlns:p="http://schemas.openxmlformats.org/presentationml/2006/main">
+  <p:cSld>
+    <p:spTree>
+      <p:nvGrpSpPr>
+        <p:cNvPr id="1" name=""/>
+        <p:cNvGrpSpPr/>
+        <p:nvPr/>
+      </p:nvGrpSpPr>
+      <p:grpSpPr>
+        <a:xfrm>
+          <a:off x="0" y="0"/>
+          <a:ext cx="0" cy="0"/>
+          <a:chOff x="0" y="0"/>
+          <a:chExt cx="0" cy="0"/>
+        </a:xfrm>
+      </p:grpSpPr>
+      <p:sp>
+        <p:nvSpPr>
+          <p:cNvPr id="3" name="CuadroTexto 2">
+            <a:extLst>
+              <a:ext uri="{FF2B5EF4-FFF2-40B4-BE49-F238E27FC236}">
                 <a16:creationId xmlns:a16="http://schemas.microsoft.com/office/drawing/2014/main" id="{C0AB5160-0C3B-9107-16AE-AF6E2D10E2DB}"/>
               </a:ext>
             </a:extLst>
@@ -8151,7 +8632,7 @@
 </p:sld>
 </file>
 
-<file path=ppt/slides/slide11.xml><?xml version="1.0" encoding="utf-8"?>
+<file path=ppt/slides/slide12.xml><?xml version="1.0" encoding="utf-8"?>
 <p:sld xmlns:a="http://schemas.openxmlformats.org/drawingml/2006/main" xmlns:r="http://schemas.openxmlformats.org/officeDocument/2006/relationships" xmlns:p="http://schemas.openxmlformats.org/presentationml/2006/main">
   <p:cSld>
     <p:spTree>
@@ -8265,7 +8746,7 @@
 </p:sld>
 </file>
 
-<file path=ppt/slides/slide12.xml><?xml version="1.0" encoding="utf-8"?>
+<file path=ppt/slides/slide13.xml><?xml version="1.0" encoding="utf-8"?>
 <p:sld xmlns:a="http://schemas.openxmlformats.org/drawingml/2006/main" xmlns:r="http://schemas.openxmlformats.org/officeDocument/2006/relationships" xmlns:p="http://schemas.openxmlformats.org/presentationml/2006/main">
   <p:cSld>
     <p:spTree>
@@ -8904,7 +9385,7 @@
                 <a:latin typeface="Cambria" panose="02040503050406030204" pitchFamily="18" charset="0"/>
                 <a:ea typeface="Cambria" panose="02040503050406030204" pitchFamily="18" charset="0"/>
               </a:rPr>
-              <a:t>, caracteriza por el uso de la observación y el análisis para la recopilación de datos no numéricos. Las observaciones que he podido percatar son:</a:t>
+              <a:t>, caracteriza por el uso de la observación y el análisis para la recopilación de datos no numéricos. La observación que hemos podido percatar es que:</a:t>
             </a:r>
           </a:p>
           <a:p>
@@ -9345,6 +9826,216 @@
       </p:grpSpPr>
       <p:pic>
         <p:nvPicPr>
+          <p:cNvPr id="2" name="Imagen 1">
+            <a:extLst>
+              <a:ext uri="{FF2B5EF4-FFF2-40B4-BE49-F238E27FC236}">
+                <a16:creationId xmlns:a16="http://schemas.microsoft.com/office/drawing/2014/main" id="{CCFBDAA9-F64E-5360-9C98-62718B8305E1}"/>
+              </a:ext>
+            </a:extLst>
+          </p:cNvPr>
+          <p:cNvPicPr>
+            <a:picLocks noChangeAspect="1"/>
+          </p:cNvPicPr>
+          <p:nvPr/>
+        </p:nvPicPr>
+        <p:blipFill rotWithShape="1">
+          <a:blip r:embed="rId2">
+            <a:extLst>
+              <a:ext uri="{28A0092B-C50C-407E-A947-70E740481C1C}">
+                <a14:useLocalDpi xmlns:a14="http://schemas.microsoft.com/office/drawing/2010/main" val="0"/>
+              </a:ext>
+            </a:extLst>
+          </a:blip>
+          <a:srcRect l="6953" t="2578" r="5521" b="3254"/>
+          <a:stretch/>
+        </p:blipFill>
+        <p:spPr bwMode="auto">
+          <a:xfrm>
+            <a:off x="8556315" y="1877157"/>
+            <a:ext cx="3302000" cy="3824653"/>
+          </a:xfrm>
+          <a:prstGeom prst="rect">
+            <a:avLst/>
+          </a:prstGeom>
+          <a:noFill/>
+          <a:ln>
+            <a:noFill/>
+          </a:ln>
+          <a:extLst>
+            <a:ext uri="{53640926-AAD7-44D8-BBD7-CCE9431645EC}">
+              <a14:shadowObscured xmlns:a14="http://schemas.microsoft.com/office/drawing/2010/main"/>
+            </a:ext>
+          </a:extLst>
+        </p:spPr>
+      </p:pic>
+      <p:pic>
+        <p:nvPicPr>
+          <p:cNvPr id="3" name="Imagen 2">
+            <a:extLst>
+              <a:ext uri="{FF2B5EF4-FFF2-40B4-BE49-F238E27FC236}">
+                <a16:creationId xmlns:a16="http://schemas.microsoft.com/office/drawing/2014/main" id="{D286D88B-0A5F-0A1F-829E-5AFF88C9CA19}"/>
+              </a:ext>
+            </a:extLst>
+          </p:cNvPr>
+          <p:cNvPicPr>
+            <a:picLocks noChangeAspect="1"/>
+          </p:cNvPicPr>
+          <p:nvPr/>
+        </p:nvPicPr>
+        <p:blipFill>
+          <a:blip r:embed="rId3">
+            <a:extLst>
+              <a:ext uri="{28A0092B-C50C-407E-A947-70E740481C1C}">
+                <a14:useLocalDpi xmlns:a14="http://schemas.microsoft.com/office/drawing/2010/main" val="0"/>
+              </a:ext>
+            </a:extLst>
+          </a:blip>
+          <a:stretch>
+            <a:fillRect/>
+          </a:stretch>
+        </p:blipFill>
+        <p:spPr>
+          <a:xfrm>
+            <a:off x="400878" y="1004017"/>
+            <a:ext cx="4368221" cy="4849963"/>
+          </a:xfrm>
+          <a:prstGeom prst="rect">
+            <a:avLst/>
+          </a:prstGeom>
+        </p:spPr>
+      </p:pic>
+      <p:pic>
+        <p:nvPicPr>
+          <p:cNvPr id="4" name="Imagen 3">
+            <a:extLst>
+              <a:ext uri="{FF2B5EF4-FFF2-40B4-BE49-F238E27FC236}">
+                <a16:creationId xmlns:a16="http://schemas.microsoft.com/office/drawing/2014/main" id="{EFDD15CF-41F4-C296-1E96-4EB06658D3F5}"/>
+              </a:ext>
+            </a:extLst>
+          </p:cNvPr>
+          <p:cNvPicPr>
+            <a:picLocks noChangeAspect="1"/>
+          </p:cNvPicPr>
+          <p:nvPr/>
+        </p:nvPicPr>
+        <p:blipFill rotWithShape="1">
+          <a:blip r:embed="rId4">
+            <a:extLst>
+              <a:ext uri="{28A0092B-C50C-407E-A947-70E740481C1C}">
+                <a14:useLocalDpi xmlns:a14="http://schemas.microsoft.com/office/drawing/2010/main" val="0"/>
+              </a:ext>
+            </a:extLst>
+          </a:blip>
+          <a:srcRect l="1339" t="12381" r="12008" b="21780"/>
+          <a:stretch/>
+        </p:blipFill>
+        <p:spPr bwMode="auto">
+          <a:xfrm>
+            <a:off x="5073464" y="2021838"/>
+            <a:ext cx="3178486" cy="2814320"/>
+          </a:xfrm>
+          <a:prstGeom prst="rect">
+            <a:avLst/>
+          </a:prstGeom>
+          <a:ln>
+            <a:noFill/>
+          </a:ln>
+          <a:extLst>
+            <a:ext uri="{53640926-AAD7-44D8-BBD7-CCE9431645EC}">
+              <a14:shadowObscured xmlns:a14="http://schemas.microsoft.com/office/drawing/2010/main"/>
+            </a:ext>
+          </a:extLst>
+        </p:spPr>
+      </p:pic>
+      <p:sp>
+        <p:nvSpPr>
+          <p:cNvPr id="6" name="CuadroTexto 5">
+            <a:extLst>
+              <a:ext uri="{FF2B5EF4-FFF2-40B4-BE49-F238E27FC236}">
+                <a16:creationId xmlns:a16="http://schemas.microsoft.com/office/drawing/2014/main" id="{E9CC4053-5D97-E9ED-4310-0E50850DF32C}"/>
+              </a:ext>
+            </a:extLst>
+          </p:cNvPr>
+          <p:cNvSpPr txBox="1"/>
+          <p:nvPr/>
+        </p:nvSpPr>
+        <p:spPr>
+          <a:xfrm>
+            <a:off x="5150095" y="353850"/>
+            <a:ext cx="3178486" cy="530082"/>
+          </a:xfrm>
+          <a:prstGeom prst="rect">
+            <a:avLst/>
+          </a:prstGeom>
+          <a:noFill/>
+        </p:spPr>
+        <p:txBody>
+          <a:bodyPr wrap="square">
+            <a:spAutoFit/>
+          </a:bodyPr>
+          <a:lstStyle/>
+          <a:p>
+            <a:pPr>
+              <a:lnSpc>
+                <a:spcPct val="107000"/>
+              </a:lnSpc>
+              <a:spcAft>
+                <a:spcPts val="800"/>
+              </a:spcAft>
+            </a:pPr>
+            <a:r>
+              <a:rPr lang="es-ES" sz="2800" b="1" i="1" kern="0" dirty="0">
+                <a:solidFill>
+                  <a:srgbClr val="000000"/>
+                </a:solidFill>
+                <a:effectLst/>
+                <a:latin typeface="Cambria" panose="02040503050406030204" pitchFamily="18" charset="0"/>
+                <a:ea typeface="Calibri" panose="020F0502020204030204" pitchFamily="34" charset="0"/>
+                <a:cs typeface="Times New Roman" panose="02020603050405020304" pitchFamily="18" charset="0"/>
+              </a:rPr>
+              <a:t>CASOS DE USO</a:t>
+            </a:r>
+            <a:endParaRPr lang="es-ES" sz="2000" b="1" kern="100" dirty="0">
+              <a:effectLst/>
+              <a:latin typeface="Calibri" panose="020F0502020204030204" pitchFamily="34" charset="0"/>
+              <a:ea typeface="Calibri" panose="020F0502020204030204" pitchFamily="34" charset="0"/>
+              <a:cs typeface="Times New Roman" panose="02020603050405020304" pitchFamily="18" charset="0"/>
+            </a:endParaRPr>
+          </a:p>
+        </p:txBody>
+      </p:sp>
+    </p:spTree>
+    <p:extLst>
+      <p:ext uri="{BB962C8B-B14F-4D97-AF65-F5344CB8AC3E}">
+        <p14:creationId xmlns:p14="http://schemas.microsoft.com/office/powerpoint/2010/main" val="2312737653"/>
+      </p:ext>
+    </p:extLst>
+  </p:cSld>
+  <p:clrMapOvr>
+    <a:masterClrMapping/>
+  </p:clrMapOvr>
+</p:sld>
+</file>
+
+<file path=ppt/slides/slide9.xml><?xml version="1.0" encoding="utf-8"?>
+<p:sld xmlns:a="http://schemas.openxmlformats.org/drawingml/2006/main" xmlns:r="http://schemas.openxmlformats.org/officeDocument/2006/relationships" xmlns:p="http://schemas.openxmlformats.org/presentationml/2006/main">
+  <p:cSld>
+    <p:spTree>
+      <p:nvGrpSpPr>
+        <p:cNvPr id="1" name=""/>
+        <p:cNvGrpSpPr/>
+        <p:nvPr/>
+      </p:nvGrpSpPr>
+      <p:grpSpPr>
+        <a:xfrm>
+          <a:off x="0" y="0"/>
+          <a:ext cx="0" cy="0"/>
+          <a:chOff x="0" y="0"/>
+          <a:chExt cx="0" cy="0"/>
+        </a:xfrm>
+      </p:grpSpPr>
+      <p:pic>
+        <p:nvPicPr>
           <p:cNvPr id="3" name="Imagen 2">
             <a:extLst>
               <a:ext uri="{FF2B5EF4-FFF2-40B4-BE49-F238E27FC236}">
@@ -9418,481 +10109,6 @@
     <p:extLst>
       <p:ext uri="{BB962C8B-B14F-4D97-AF65-F5344CB8AC3E}">
         <p14:creationId xmlns:p14="http://schemas.microsoft.com/office/powerpoint/2010/main" val="3232979328"/>
-      </p:ext>
-    </p:extLst>
-  </p:cSld>
-  <p:clrMapOvr>
-    <a:masterClrMapping/>
-  </p:clrMapOvr>
-</p:sld>
-</file>
-
-<file path=ppt/slides/slide9.xml><?xml version="1.0" encoding="utf-8"?>
-<p:sld xmlns:a="http://schemas.openxmlformats.org/drawingml/2006/main" xmlns:r="http://schemas.openxmlformats.org/officeDocument/2006/relationships" xmlns:p="http://schemas.openxmlformats.org/presentationml/2006/main">
-  <p:cSld>
-    <p:spTree>
-      <p:nvGrpSpPr>
-        <p:cNvPr id="1" name=""/>
-        <p:cNvGrpSpPr/>
-        <p:nvPr/>
-      </p:nvGrpSpPr>
-      <p:grpSpPr>
-        <a:xfrm>
-          <a:off x="0" y="0"/>
-          <a:ext cx="0" cy="0"/>
-          <a:chOff x="0" y="0"/>
-          <a:chExt cx="0" cy="0"/>
-        </a:xfrm>
-      </p:grpSpPr>
-      <p:sp>
-        <p:nvSpPr>
-          <p:cNvPr id="3" name="CuadroTexto 2">
-            <a:extLst>
-              <a:ext uri="{FF2B5EF4-FFF2-40B4-BE49-F238E27FC236}">
-                <a16:creationId xmlns:a16="http://schemas.microsoft.com/office/drawing/2014/main" id="{52C055A4-1D27-4332-429E-746F71D1B759}"/>
-              </a:ext>
-            </a:extLst>
-          </p:cNvPr>
-          <p:cNvSpPr txBox="1"/>
-          <p:nvPr/>
-        </p:nvSpPr>
-        <p:spPr>
-          <a:xfrm>
-            <a:off x="7394332" y="2301736"/>
-            <a:ext cx="3323492" cy="2842381"/>
-          </a:xfrm>
-          <a:prstGeom prst="rect">
-            <a:avLst/>
-          </a:prstGeom>
-          <a:noFill/>
-        </p:spPr>
-        <p:txBody>
-          <a:bodyPr wrap="square">
-            <a:spAutoFit/>
-          </a:bodyPr>
-          <a:lstStyle/>
-          <a:p>
-            <a:pPr marL="457200" algn="just">
-              <a:lnSpc>
-                <a:spcPct val="107000"/>
-              </a:lnSpc>
-              <a:spcAft>
-                <a:spcPts val="800"/>
-              </a:spcAft>
-              <a:buNone/>
-            </a:pPr>
-            <a:endParaRPr lang="es-ES" sz="1800" kern="100" dirty="0">
-              <a:effectLst/>
-              <a:latin typeface="Calibri" panose="020F0502020204030204" pitchFamily="34" charset="0"/>
-              <a:ea typeface="Calibri" panose="020F0502020204030204" pitchFamily="34" charset="0"/>
-              <a:cs typeface="Times New Roman" panose="02020603050405020304" pitchFamily="18" charset="0"/>
-            </a:endParaRPr>
-          </a:p>
-          <a:p>
-            <a:pPr marL="342900" lvl="0" indent="-342900" algn="just">
-              <a:lnSpc>
-                <a:spcPct val="107000"/>
-              </a:lnSpc>
-              <a:buFont typeface="Wingdings" panose="05000000000000000000" pitchFamily="2" charset="2"/>
-              <a:buChar char=""/>
-            </a:pPr>
-            <a:r>
-              <a:rPr lang="es-ES" sz="2400" kern="100" dirty="0">
-                <a:effectLst/>
-                <a:latin typeface="Cambria" panose="02040503050406030204" pitchFamily="18" charset="0"/>
-                <a:ea typeface="Calibri" panose="020F0502020204030204" pitchFamily="34" charset="0"/>
-                <a:cs typeface="Times New Roman" panose="02020603050405020304" pitchFamily="18" charset="0"/>
-              </a:rPr>
-              <a:t>Ordenador</a:t>
-            </a:r>
-            <a:endParaRPr lang="es-ES" sz="2400" kern="100" dirty="0">
-              <a:latin typeface="Cambria" panose="02040503050406030204" pitchFamily="18" charset="0"/>
-              <a:ea typeface="Calibri" panose="020F0502020204030204" pitchFamily="34" charset="0"/>
-              <a:cs typeface="Times New Roman" panose="02020603050405020304" pitchFamily="18" charset="0"/>
-            </a:endParaRPr>
-          </a:p>
-          <a:p>
-            <a:pPr marL="342900" lvl="0" indent="-342900" algn="just">
-              <a:lnSpc>
-                <a:spcPct val="107000"/>
-              </a:lnSpc>
-              <a:buFont typeface="Wingdings" panose="05000000000000000000" pitchFamily="2" charset="2"/>
-              <a:buChar char=""/>
-            </a:pPr>
-            <a:r>
-              <a:rPr lang="es-ES" sz="2400" kern="100" dirty="0">
-                <a:effectLst/>
-                <a:latin typeface="Cambria" panose="02040503050406030204" pitchFamily="18" charset="0"/>
-                <a:ea typeface="Calibri" panose="020F0502020204030204" pitchFamily="34" charset="0"/>
-                <a:cs typeface="Times New Roman" panose="02020603050405020304" pitchFamily="18" charset="0"/>
-              </a:rPr>
-              <a:t>Project</a:t>
-            </a:r>
-          </a:p>
-          <a:p>
-            <a:pPr marL="342900" lvl="0" indent="-342900" algn="just">
-              <a:lnSpc>
-                <a:spcPct val="107000"/>
-              </a:lnSpc>
-              <a:buFont typeface="Wingdings" panose="05000000000000000000" pitchFamily="2" charset="2"/>
-              <a:buChar char=""/>
-            </a:pPr>
-            <a:r>
-              <a:rPr lang="es-ES" sz="2400" kern="100" dirty="0">
-                <a:effectLst/>
-                <a:latin typeface="Cambria" panose="02040503050406030204" pitchFamily="18" charset="0"/>
-                <a:ea typeface="Calibri" panose="020F0502020204030204" pitchFamily="34" charset="0"/>
-                <a:cs typeface="Times New Roman" panose="02020603050405020304" pitchFamily="18" charset="0"/>
-              </a:rPr>
-              <a:t>Visual Studio Code</a:t>
-            </a:r>
-            <a:endParaRPr lang="es-ES" sz="2400" kern="100" dirty="0">
-              <a:effectLst/>
-              <a:latin typeface="Calibri" panose="020F0502020204030204" pitchFamily="34" charset="0"/>
-              <a:ea typeface="Calibri" panose="020F0502020204030204" pitchFamily="34" charset="0"/>
-              <a:cs typeface="Times New Roman" panose="02020603050405020304" pitchFamily="18" charset="0"/>
-            </a:endParaRPr>
-          </a:p>
-          <a:p>
-            <a:pPr marL="342900" lvl="0" indent="-342900" algn="just">
-              <a:lnSpc>
-                <a:spcPct val="107000"/>
-              </a:lnSpc>
-              <a:buFont typeface="Wingdings" panose="05000000000000000000" pitchFamily="2" charset="2"/>
-              <a:buChar char=""/>
-            </a:pPr>
-            <a:r>
-              <a:rPr lang="es-ES" sz="2400" kern="100" dirty="0">
-                <a:effectLst/>
-                <a:latin typeface="Cambria" panose="02040503050406030204" pitchFamily="18" charset="0"/>
-                <a:ea typeface="Calibri" panose="020F0502020204030204" pitchFamily="34" charset="0"/>
-                <a:cs typeface="Times New Roman" panose="02020603050405020304" pitchFamily="18" charset="0"/>
-              </a:rPr>
-              <a:t>Word</a:t>
-            </a:r>
-          </a:p>
-          <a:p>
-            <a:pPr marL="342900" lvl="0" indent="-342900" algn="just">
-              <a:lnSpc>
-                <a:spcPct val="107000"/>
-              </a:lnSpc>
-              <a:buFont typeface="Wingdings" panose="05000000000000000000" pitchFamily="2" charset="2"/>
-              <a:buChar char=""/>
-            </a:pPr>
-            <a:r>
-              <a:rPr lang="es-ES" sz="2400" kern="100" dirty="0">
-                <a:effectLst/>
-                <a:latin typeface="Cambria" panose="02040503050406030204" pitchFamily="18" charset="0"/>
-                <a:ea typeface="Calibri" panose="020F0502020204030204" pitchFamily="34" charset="0"/>
-                <a:cs typeface="Times New Roman" panose="02020603050405020304" pitchFamily="18" charset="0"/>
-              </a:rPr>
-              <a:t>PowerPoint</a:t>
-            </a:r>
-            <a:endParaRPr lang="es-ES" sz="2400" kern="100" dirty="0">
-              <a:effectLst/>
-              <a:latin typeface="Calibri" panose="020F0502020204030204" pitchFamily="34" charset="0"/>
-              <a:ea typeface="Calibri" panose="020F0502020204030204" pitchFamily="34" charset="0"/>
-              <a:cs typeface="Times New Roman" panose="02020603050405020304" pitchFamily="18" charset="0"/>
-            </a:endParaRPr>
-          </a:p>
-          <a:p>
-            <a:pPr marL="342900" lvl="0" indent="-342900" algn="just">
-              <a:lnSpc>
-                <a:spcPct val="107000"/>
-              </a:lnSpc>
-              <a:spcAft>
-                <a:spcPts val="800"/>
-              </a:spcAft>
-              <a:buFont typeface="Wingdings" panose="05000000000000000000" pitchFamily="2" charset="2"/>
-              <a:buChar char=""/>
-            </a:pPr>
-            <a:r>
-              <a:rPr lang="es-ES" sz="2400" kern="100" dirty="0">
-                <a:effectLst/>
-                <a:latin typeface="Cambria" panose="02040503050406030204" pitchFamily="18" charset="0"/>
-                <a:ea typeface="Calibri" panose="020F0502020204030204" pitchFamily="34" charset="0"/>
-                <a:cs typeface="Times New Roman" panose="02020603050405020304" pitchFamily="18" charset="0"/>
-              </a:rPr>
-              <a:t>Visio</a:t>
-            </a:r>
-            <a:endParaRPr lang="es-ES" sz="2400" kern="100" dirty="0">
-              <a:effectLst/>
-              <a:latin typeface="Calibri" panose="020F0502020204030204" pitchFamily="34" charset="0"/>
-              <a:ea typeface="Calibri" panose="020F0502020204030204" pitchFamily="34" charset="0"/>
-              <a:cs typeface="Times New Roman" panose="02020603050405020304" pitchFamily="18" charset="0"/>
-            </a:endParaRPr>
-          </a:p>
-        </p:txBody>
-      </p:sp>
-      <p:sp>
-        <p:nvSpPr>
-          <p:cNvPr id="4" name="CuadroTexto 3">
-            <a:extLst>
-              <a:ext uri="{FF2B5EF4-FFF2-40B4-BE49-F238E27FC236}">
-                <a16:creationId xmlns:a16="http://schemas.microsoft.com/office/drawing/2014/main" id="{C950CACE-5D5E-8CC1-D554-53FA609AF6E3}"/>
-              </a:ext>
-            </a:extLst>
-          </p:cNvPr>
-          <p:cNvSpPr txBox="1"/>
-          <p:nvPr/>
-        </p:nvSpPr>
-        <p:spPr>
-          <a:xfrm>
-            <a:off x="2710961" y="492370"/>
-            <a:ext cx="6770077" cy="738664"/>
-          </a:xfrm>
-          <a:prstGeom prst="rect">
-            <a:avLst/>
-          </a:prstGeom>
-          <a:noFill/>
-        </p:spPr>
-        <p:txBody>
-          <a:bodyPr wrap="square" rtlCol="0">
-            <a:spAutoFit/>
-          </a:bodyPr>
-          <a:lstStyle/>
-          <a:p>
-            <a:r>
-              <a:rPr lang="es-ES" sz="2400" b="1" i="1" kern="100" dirty="0">
-                <a:effectLst/>
-                <a:latin typeface="Cambria" panose="02040503050406030204" pitchFamily="18" charset="0"/>
-                <a:ea typeface="Calibri" panose="020F0502020204030204" pitchFamily="34" charset="0"/>
-                <a:cs typeface="Times New Roman" panose="02020603050405020304" pitchFamily="18" charset="0"/>
-              </a:rPr>
-              <a:t>TECNOLOGÍAS Y HERRAMIENTAS UTILIZADAS</a:t>
-            </a:r>
-            <a:endParaRPr lang="es-ES" sz="2400" kern="100" dirty="0">
-              <a:effectLst/>
-              <a:latin typeface="Calibri" panose="020F0502020204030204" pitchFamily="34" charset="0"/>
-              <a:ea typeface="Calibri" panose="020F0502020204030204" pitchFamily="34" charset="0"/>
-              <a:cs typeface="Times New Roman" panose="02020603050405020304" pitchFamily="18" charset="0"/>
-            </a:endParaRPr>
-          </a:p>
-          <a:p>
-            <a:endParaRPr lang="es-ES" dirty="0"/>
-          </a:p>
-        </p:txBody>
-      </p:sp>
-      <p:sp>
-        <p:nvSpPr>
-          <p:cNvPr id="5" name="CuadroTexto 4">
-            <a:extLst>
-              <a:ext uri="{FF2B5EF4-FFF2-40B4-BE49-F238E27FC236}">
-                <a16:creationId xmlns:a16="http://schemas.microsoft.com/office/drawing/2014/main" id="{D162675A-49A0-09E7-F783-57BE93E5902C}"/>
-              </a:ext>
-            </a:extLst>
-          </p:cNvPr>
-          <p:cNvSpPr txBox="1"/>
-          <p:nvPr/>
-        </p:nvSpPr>
-        <p:spPr>
-          <a:xfrm>
-            <a:off x="2277209" y="2684618"/>
-            <a:ext cx="2857500" cy="2740366"/>
-          </a:xfrm>
-          <a:prstGeom prst="rect">
-            <a:avLst/>
-          </a:prstGeom>
-          <a:noFill/>
-        </p:spPr>
-        <p:txBody>
-          <a:bodyPr wrap="square" rtlCol="0">
-            <a:spAutoFit/>
-          </a:bodyPr>
-          <a:lstStyle/>
-          <a:p>
-            <a:pPr marL="342900" lvl="0" indent="-342900" algn="just">
-              <a:lnSpc>
-                <a:spcPct val="107000"/>
-              </a:lnSpc>
-              <a:buFont typeface="Wingdings" panose="05000000000000000000" pitchFamily="2" charset="2"/>
-              <a:buChar char=""/>
-            </a:pPr>
-            <a:r>
-              <a:rPr lang="es-ES" sz="2400" kern="100" dirty="0">
-                <a:effectLst/>
-                <a:latin typeface="Cambria" panose="02040503050406030204" pitchFamily="18" charset="0"/>
-                <a:ea typeface="Cambria" panose="02040503050406030204" pitchFamily="18" charset="0"/>
-                <a:cs typeface="Times New Roman" panose="02020603050405020304" pitchFamily="18" charset="0"/>
-              </a:rPr>
-              <a:t>HTML</a:t>
-            </a:r>
-          </a:p>
-          <a:p>
-            <a:pPr marL="342900" lvl="0" indent="-342900" algn="just">
-              <a:lnSpc>
-                <a:spcPct val="107000"/>
-              </a:lnSpc>
-              <a:buFont typeface="Wingdings" panose="05000000000000000000" pitchFamily="2" charset="2"/>
-              <a:buChar char=""/>
-            </a:pPr>
-            <a:r>
-              <a:rPr lang="es-ES" sz="2400" kern="100" dirty="0">
-                <a:effectLst/>
-                <a:latin typeface="Cambria" panose="02040503050406030204" pitchFamily="18" charset="0"/>
-                <a:ea typeface="Cambria" panose="02040503050406030204" pitchFamily="18" charset="0"/>
-                <a:cs typeface="Times New Roman" panose="02020603050405020304" pitchFamily="18" charset="0"/>
-              </a:rPr>
-              <a:t>CSS</a:t>
-            </a:r>
-          </a:p>
-          <a:p>
-            <a:pPr marL="342900" lvl="0" indent="-342900" algn="just">
-              <a:lnSpc>
-                <a:spcPct val="107000"/>
-              </a:lnSpc>
-              <a:buFont typeface="Wingdings" panose="05000000000000000000" pitchFamily="2" charset="2"/>
-              <a:buChar char=""/>
-            </a:pPr>
-            <a:r>
-              <a:rPr lang="es-ES" sz="2400" kern="100" dirty="0">
-                <a:effectLst/>
-                <a:latin typeface="Cambria" panose="02040503050406030204" pitchFamily="18" charset="0"/>
-                <a:ea typeface="Cambria" panose="02040503050406030204" pitchFamily="18" charset="0"/>
-                <a:cs typeface="Times New Roman" panose="02020603050405020304" pitchFamily="18" charset="0"/>
-              </a:rPr>
-              <a:t>JAVASCRIPT </a:t>
-            </a:r>
-          </a:p>
-          <a:p>
-            <a:pPr marL="342900" lvl="0" indent="-342900" algn="just">
-              <a:lnSpc>
-                <a:spcPct val="107000"/>
-              </a:lnSpc>
-              <a:buFont typeface="Wingdings" panose="05000000000000000000" pitchFamily="2" charset="2"/>
-              <a:buChar char=""/>
-            </a:pPr>
-            <a:r>
-              <a:rPr lang="es-ES" sz="2400" kern="100" dirty="0">
-                <a:effectLst/>
-                <a:latin typeface="Cambria" panose="02040503050406030204" pitchFamily="18" charset="0"/>
-                <a:ea typeface="Cambria" panose="02040503050406030204" pitchFamily="18" charset="0"/>
-                <a:cs typeface="Times New Roman" panose="02020603050405020304" pitchFamily="18" charset="0"/>
-              </a:rPr>
-              <a:t>MYSQL</a:t>
-            </a:r>
-          </a:p>
-          <a:p>
-            <a:pPr marL="342900" lvl="0" indent="-342900" algn="just">
-              <a:lnSpc>
-                <a:spcPct val="107000"/>
-              </a:lnSpc>
-              <a:buFont typeface="Wingdings" panose="05000000000000000000" pitchFamily="2" charset="2"/>
-              <a:buChar char=""/>
-            </a:pPr>
-            <a:r>
-              <a:rPr lang="es-ES" sz="2400" kern="100" dirty="0">
-                <a:effectLst/>
-                <a:latin typeface="Cambria" panose="02040503050406030204" pitchFamily="18" charset="0"/>
-                <a:ea typeface="Cambria" panose="02040503050406030204" pitchFamily="18" charset="0"/>
-                <a:cs typeface="Times New Roman" panose="02020603050405020304" pitchFamily="18" charset="0"/>
-              </a:rPr>
-              <a:t>PHP</a:t>
-            </a:r>
-          </a:p>
-          <a:p>
-            <a:pPr marL="342900" lvl="0" indent="-342900" algn="just">
-              <a:lnSpc>
-                <a:spcPct val="107000"/>
-              </a:lnSpc>
-              <a:buFont typeface="Wingdings" panose="05000000000000000000" pitchFamily="2" charset="2"/>
-              <a:buChar char=""/>
-            </a:pPr>
-            <a:r>
-              <a:rPr lang="es-ES" sz="2400" kern="100" dirty="0">
-                <a:effectLst/>
-                <a:latin typeface="Cambria" panose="02040503050406030204" pitchFamily="18" charset="0"/>
-                <a:ea typeface="Cambria" panose="02040503050406030204" pitchFamily="18" charset="0"/>
-                <a:cs typeface="Times New Roman" panose="02020603050405020304" pitchFamily="18" charset="0"/>
-              </a:rPr>
-              <a:t>XAMPP</a:t>
-            </a:r>
-          </a:p>
-          <a:p>
-            <a:endParaRPr lang="es-ES" dirty="0"/>
-          </a:p>
-        </p:txBody>
-      </p:sp>
-      <p:sp>
-        <p:nvSpPr>
-          <p:cNvPr id="6" name="CuadroTexto 5">
-            <a:extLst>
-              <a:ext uri="{FF2B5EF4-FFF2-40B4-BE49-F238E27FC236}">
-                <a16:creationId xmlns:a16="http://schemas.microsoft.com/office/drawing/2014/main" id="{FB161DE8-E962-D034-5666-4C19176D21B0}"/>
-              </a:ext>
-            </a:extLst>
-          </p:cNvPr>
-          <p:cNvSpPr txBox="1"/>
-          <p:nvPr/>
-        </p:nvSpPr>
-        <p:spPr>
-          <a:xfrm>
-            <a:off x="1863970" y="1726993"/>
-            <a:ext cx="2303583" cy="461665"/>
-          </a:xfrm>
-          <a:prstGeom prst="rect">
-            <a:avLst/>
-          </a:prstGeom>
-          <a:noFill/>
-        </p:spPr>
-        <p:txBody>
-          <a:bodyPr wrap="square" rtlCol="0">
-            <a:spAutoFit/>
-          </a:bodyPr>
-          <a:lstStyle/>
-          <a:p>
-            <a:r>
-              <a:rPr lang="es-ES" sz="2400" b="1" dirty="0">
-                <a:latin typeface="Cambria" panose="02040503050406030204" pitchFamily="18" charset="0"/>
-                <a:ea typeface="Cambria" panose="02040503050406030204" pitchFamily="18" charset="0"/>
-              </a:rPr>
-              <a:t>TECNOLOGIAS</a:t>
-            </a:r>
-          </a:p>
-        </p:txBody>
-      </p:sp>
-      <p:sp>
-        <p:nvSpPr>
-          <p:cNvPr id="7" name="CuadroTexto 6">
-            <a:extLst>
-              <a:ext uri="{FF2B5EF4-FFF2-40B4-BE49-F238E27FC236}">
-                <a16:creationId xmlns:a16="http://schemas.microsoft.com/office/drawing/2014/main" id="{26616C85-CC9D-91EC-45CA-90AC71AF64C9}"/>
-              </a:ext>
-            </a:extLst>
-          </p:cNvPr>
-          <p:cNvSpPr txBox="1"/>
-          <p:nvPr/>
-        </p:nvSpPr>
-        <p:spPr>
-          <a:xfrm>
-            <a:off x="7570177" y="1768095"/>
-            <a:ext cx="2611316" cy="461665"/>
-          </a:xfrm>
-          <a:prstGeom prst="rect">
-            <a:avLst/>
-          </a:prstGeom>
-          <a:noFill/>
-        </p:spPr>
-        <p:txBody>
-          <a:bodyPr wrap="square" rtlCol="0">
-            <a:spAutoFit/>
-          </a:bodyPr>
-          <a:lstStyle/>
-          <a:p>
-            <a:r>
-              <a:rPr lang="es-ES" sz="2400" b="1" dirty="0">
-                <a:latin typeface="Cambria" panose="02040503050406030204" pitchFamily="18" charset="0"/>
-                <a:ea typeface="Cambria" panose="02040503050406030204" pitchFamily="18" charset="0"/>
-              </a:rPr>
-              <a:t>HERRAMIENTAS</a:t>
-            </a:r>
-          </a:p>
-        </p:txBody>
-      </p:sp>
-    </p:spTree>
-    <p:extLst>
-      <p:ext uri="{BB962C8B-B14F-4D97-AF65-F5344CB8AC3E}">
-        <p14:creationId xmlns:p14="http://schemas.microsoft.com/office/powerpoint/2010/main" val="3093043113"/>
       </p:ext>
     </p:extLst>
   </p:cSld>

--- a/docs/presentacion.pptx
+++ b/docs/presentacion.pptx
@@ -9407,7 +9407,22 @@
                 <a:latin typeface="Cambria" panose="02040503050406030204" pitchFamily="18" charset="0"/>
                 <a:ea typeface="Cambria" panose="02040503050406030204" pitchFamily="18" charset="0"/>
               </a:rPr>
-              <a:t>El país de Guinea Ecuatorial carece de clínicas especializadas en servicios oftalmólogos, y teniendo en cuenta que en Guinea Ecuatorial el acceso a internet y el uso de teléfonos móviles es cada vez mayor, la clínica PLAyANA ha decidió crear una plataforma web, para ofrecer información, servicios y atención personalizada a sus pacientes</a:t>
+              <a:t>El país de Guinea Ecuatorial carece de clínicas especializadas en servicios oftalmólogos, y teniendo en cuenta que en Guinea Ecuatorial el acceso a internet y el uso de teléfonos móviles es cada vez mayor, la clínica PLAyANA crear</a:t>
+            </a:r>
+            <a:r>
+              <a:rPr lang="es-ES" sz="2400" dirty="0">
+                <a:latin typeface="Cambria" panose="02040503050406030204" pitchFamily="18" charset="0"/>
+                <a:ea typeface="Cambria" panose="02040503050406030204" pitchFamily="18" charset="0"/>
+              </a:rPr>
+              <a:t>á</a:t>
+            </a:r>
+            <a:r>
+              <a:rPr lang="es-ES" sz="2400" dirty="0">
+                <a:effectLst/>
+                <a:latin typeface="Cambria" panose="02040503050406030204" pitchFamily="18" charset="0"/>
+                <a:ea typeface="Cambria" panose="02040503050406030204" pitchFamily="18" charset="0"/>
+              </a:rPr>
+              <a:t> una plataforma web, para ofrecer información, servicios y atención personalizada a sus pacientes</a:t>
             </a:r>
           </a:p>
         </p:txBody>
